--- a/ppt 16-9/0647.永远的光.pptx
+++ b/ppt 16-9/0647.永远的光.pptx
@@ -129,7 +129,7 @@
           <p:cNvPr id="2" name="标题 1">
             <a:extLst>
               <a:ext uri="{FF2B5EF4-FFF2-40B4-BE49-F238E27FC236}">
-                <a16:creationId xmlns:a16="http://schemas.microsoft.com/office/drawing/2014/main" id="{C3345554-CC82-417E-83C8-F9B1A9C23D9E}"/>
+                <a16:creationId xmlns:a16="http://schemas.microsoft.com/office/drawing/2014/main" id="{AF0047B5-396C-E5C9-0335-C889DF65BD51}"/>
               </a:ext>
             </a:extLst>
           </p:cNvPr>
@@ -166,7 +166,7 @@
           <p:cNvPr id="3" name="副标题 2">
             <a:extLst>
               <a:ext uri="{FF2B5EF4-FFF2-40B4-BE49-F238E27FC236}">
-                <a16:creationId xmlns:a16="http://schemas.microsoft.com/office/drawing/2014/main" id="{927C571D-BC0A-14BF-353A-68AC4204A3F3}"/>
+                <a16:creationId xmlns:a16="http://schemas.microsoft.com/office/drawing/2014/main" id="{20EBA7AB-BD2A-8E0E-B2D8-FF2499022A9C}"/>
               </a:ext>
             </a:extLst>
           </p:cNvPr>
@@ -236,7 +236,7 @@
           <p:cNvPr id="4" name="日期占位符 3">
             <a:extLst>
               <a:ext uri="{FF2B5EF4-FFF2-40B4-BE49-F238E27FC236}">
-                <a16:creationId xmlns:a16="http://schemas.microsoft.com/office/drawing/2014/main" id="{D73156D8-522A-6363-583B-02EC7A8E757C}"/>
+                <a16:creationId xmlns:a16="http://schemas.microsoft.com/office/drawing/2014/main" id="{E0836E6D-311E-5F00-98A7-A81D70E92AEC}"/>
               </a:ext>
             </a:extLst>
           </p:cNvPr>
@@ -252,7 +252,7 @@
           <a:bodyPr/>
           <a:lstStyle/>
           <a:p>
-            <a:fld id="{BCE3116A-B6B1-4630-9D26-5D39FEAF87D2}" type="datetimeFigureOut">
+            <a:fld id="{88149723-049A-4457-B592-4D829AF6C278}" type="datetimeFigureOut">
               <a:rPr lang="zh-CN" altLang="en-US" smtClean="0"/>
               <a:t>2024/3/10</a:t>
             </a:fld>
@@ -265,7 +265,7 @@
           <p:cNvPr id="5" name="页脚占位符 4">
             <a:extLst>
               <a:ext uri="{FF2B5EF4-FFF2-40B4-BE49-F238E27FC236}">
-                <a16:creationId xmlns:a16="http://schemas.microsoft.com/office/drawing/2014/main" id="{8C988DA9-4C9A-02BA-9370-4F4101D1DA4F}"/>
+                <a16:creationId xmlns:a16="http://schemas.microsoft.com/office/drawing/2014/main" id="{1BE26643-7894-4E96-A065-B47E31DF7972}"/>
               </a:ext>
             </a:extLst>
           </p:cNvPr>
@@ -290,7 +290,7 @@
           <p:cNvPr id="6" name="灯片编号占位符 5">
             <a:extLst>
               <a:ext uri="{FF2B5EF4-FFF2-40B4-BE49-F238E27FC236}">
-                <a16:creationId xmlns:a16="http://schemas.microsoft.com/office/drawing/2014/main" id="{7F7BC491-1EAD-AA1A-B8FB-9775BAF28AF8}"/>
+                <a16:creationId xmlns:a16="http://schemas.microsoft.com/office/drawing/2014/main" id="{CA144170-6531-274F-6B93-07A565CE0C8F}"/>
               </a:ext>
             </a:extLst>
           </p:cNvPr>
@@ -306,7 +306,7 @@
           <a:bodyPr/>
           <a:lstStyle/>
           <a:p>
-            <a:fld id="{7E96B694-5338-47BC-A773-7B1942E0E045}" type="slidenum">
+            <a:fld id="{0A182455-8474-4FEB-BF39-C3BA8030FEF0}" type="slidenum">
               <a:rPr lang="zh-CN" altLang="en-US" smtClean="0"/>
               <a:t>‹#›</a:t>
             </a:fld>
@@ -317,7 +317,7 @@
     </p:spTree>
     <p:extLst>
       <p:ext uri="{BB962C8B-B14F-4D97-AF65-F5344CB8AC3E}">
-        <p14:creationId xmlns:p14="http://schemas.microsoft.com/office/powerpoint/2010/main" val="780236242"/>
+        <p14:creationId xmlns:p14="http://schemas.microsoft.com/office/powerpoint/2010/main" val="1958210409"/>
       </p:ext>
     </p:extLst>
   </p:cSld>
@@ -349,7 +349,7 @@
           <p:cNvPr id="2" name="标题 1">
             <a:extLst>
               <a:ext uri="{FF2B5EF4-FFF2-40B4-BE49-F238E27FC236}">
-                <a16:creationId xmlns:a16="http://schemas.microsoft.com/office/drawing/2014/main" id="{6A291A21-CD56-FFAB-BE06-F0CA60DD01F8}"/>
+                <a16:creationId xmlns:a16="http://schemas.microsoft.com/office/drawing/2014/main" id="{0A14072E-7138-87FC-1BD0-8E073067F3DD}"/>
               </a:ext>
             </a:extLst>
           </p:cNvPr>
@@ -377,7 +377,7 @@
           <p:cNvPr id="3" name="竖排文字占位符 2">
             <a:extLst>
               <a:ext uri="{FF2B5EF4-FFF2-40B4-BE49-F238E27FC236}">
-                <a16:creationId xmlns:a16="http://schemas.microsoft.com/office/drawing/2014/main" id="{04B9D8EA-6EF5-E7C3-321A-4A6DA4B6CA11}"/>
+                <a16:creationId xmlns:a16="http://schemas.microsoft.com/office/drawing/2014/main" id="{46B2A757-86B5-7314-AA16-17813EFA0D9C}"/>
               </a:ext>
             </a:extLst>
           </p:cNvPr>
@@ -434,7 +434,7 @@
           <p:cNvPr id="4" name="日期占位符 3">
             <a:extLst>
               <a:ext uri="{FF2B5EF4-FFF2-40B4-BE49-F238E27FC236}">
-                <a16:creationId xmlns:a16="http://schemas.microsoft.com/office/drawing/2014/main" id="{28252517-7586-6771-8E0F-BBE44AA14D02}"/>
+                <a16:creationId xmlns:a16="http://schemas.microsoft.com/office/drawing/2014/main" id="{58C0E76D-6A11-5374-3CCB-E851BFFB5A84}"/>
               </a:ext>
             </a:extLst>
           </p:cNvPr>
@@ -450,7 +450,7 @@
           <a:bodyPr/>
           <a:lstStyle/>
           <a:p>
-            <a:fld id="{BCE3116A-B6B1-4630-9D26-5D39FEAF87D2}" type="datetimeFigureOut">
+            <a:fld id="{88149723-049A-4457-B592-4D829AF6C278}" type="datetimeFigureOut">
               <a:rPr lang="zh-CN" altLang="en-US" smtClean="0"/>
               <a:t>2024/3/10</a:t>
             </a:fld>
@@ -463,7 +463,7 @@
           <p:cNvPr id="5" name="页脚占位符 4">
             <a:extLst>
               <a:ext uri="{FF2B5EF4-FFF2-40B4-BE49-F238E27FC236}">
-                <a16:creationId xmlns:a16="http://schemas.microsoft.com/office/drawing/2014/main" id="{0CA5DC8F-0DDA-457F-CA07-7374AD383E3C}"/>
+                <a16:creationId xmlns:a16="http://schemas.microsoft.com/office/drawing/2014/main" id="{AB4FAFA1-7B2C-623B-98A6-B641BB5ADD58}"/>
               </a:ext>
             </a:extLst>
           </p:cNvPr>
@@ -488,7 +488,7 @@
           <p:cNvPr id="6" name="灯片编号占位符 5">
             <a:extLst>
               <a:ext uri="{FF2B5EF4-FFF2-40B4-BE49-F238E27FC236}">
-                <a16:creationId xmlns:a16="http://schemas.microsoft.com/office/drawing/2014/main" id="{1A043481-543C-0960-37F7-70D8922C5379}"/>
+                <a16:creationId xmlns:a16="http://schemas.microsoft.com/office/drawing/2014/main" id="{F4D0E507-7ADE-9027-896A-1A576DFA0CB8}"/>
               </a:ext>
             </a:extLst>
           </p:cNvPr>
@@ -504,7 +504,7 @@
           <a:bodyPr/>
           <a:lstStyle/>
           <a:p>
-            <a:fld id="{7E96B694-5338-47BC-A773-7B1942E0E045}" type="slidenum">
+            <a:fld id="{0A182455-8474-4FEB-BF39-C3BA8030FEF0}" type="slidenum">
               <a:rPr lang="zh-CN" altLang="en-US" smtClean="0"/>
               <a:t>‹#›</a:t>
             </a:fld>
@@ -515,7 +515,7 @@
     </p:spTree>
     <p:extLst>
       <p:ext uri="{BB962C8B-B14F-4D97-AF65-F5344CB8AC3E}">
-        <p14:creationId xmlns:p14="http://schemas.microsoft.com/office/powerpoint/2010/main" val="3079826372"/>
+        <p14:creationId xmlns:p14="http://schemas.microsoft.com/office/powerpoint/2010/main" val="3206767048"/>
       </p:ext>
     </p:extLst>
   </p:cSld>
@@ -547,7 +547,7 @@
           <p:cNvPr id="2" name="竖排标题 1">
             <a:extLst>
               <a:ext uri="{FF2B5EF4-FFF2-40B4-BE49-F238E27FC236}">
-                <a16:creationId xmlns:a16="http://schemas.microsoft.com/office/drawing/2014/main" id="{B027518F-8CDB-C196-44E8-3C2D08F9CB8F}"/>
+                <a16:creationId xmlns:a16="http://schemas.microsoft.com/office/drawing/2014/main" id="{B30B44AF-28C4-1841-44F1-B8A8164DF0F6}"/>
               </a:ext>
             </a:extLst>
           </p:cNvPr>
@@ -580,7 +580,7 @@
           <p:cNvPr id="3" name="竖排文字占位符 2">
             <a:extLst>
               <a:ext uri="{FF2B5EF4-FFF2-40B4-BE49-F238E27FC236}">
-                <a16:creationId xmlns:a16="http://schemas.microsoft.com/office/drawing/2014/main" id="{6495E95E-F736-AC8C-A6C1-B665CFEE63B2}"/>
+                <a16:creationId xmlns:a16="http://schemas.microsoft.com/office/drawing/2014/main" id="{6899494F-8F1A-AEF8-69A0-48BD1D8EF1E7}"/>
               </a:ext>
             </a:extLst>
           </p:cNvPr>
@@ -642,7 +642,7 @@
           <p:cNvPr id="4" name="日期占位符 3">
             <a:extLst>
               <a:ext uri="{FF2B5EF4-FFF2-40B4-BE49-F238E27FC236}">
-                <a16:creationId xmlns:a16="http://schemas.microsoft.com/office/drawing/2014/main" id="{4B344BCF-9170-7983-895F-79525E2E8446}"/>
+                <a16:creationId xmlns:a16="http://schemas.microsoft.com/office/drawing/2014/main" id="{BFF34228-0101-EF4F-8AC0-728996EA1463}"/>
               </a:ext>
             </a:extLst>
           </p:cNvPr>
@@ -658,7 +658,7 @@
           <a:bodyPr/>
           <a:lstStyle/>
           <a:p>
-            <a:fld id="{BCE3116A-B6B1-4630-9D26-5D39FEAF87D2}" type="datetimeFigureOut">
+            <a:fld id="{88149723-049A-4457-B592-4D829AF6C278}" type="datetimeFigureOut">
               <a:rPr lang="zh-CN" altLang="en-US" smtClean="0"/>
               <a:t>2024/3/10</a:t>
             </a:fld>
@@ -671,7 +671,7 @@
           <p:cNvPr id="5" name="页脚占位符 4">
             <a:extLst>
               <a:ext uri="{FF2B5EF4-FFF2-40B4-BE49-F238E27FC236}">
-                <a16:creationId xmlns:a16="http://schemas.microsoft.com/office/drawing/2014/main" id="{1527711F-BA27-AA01-8BED-EE2CFA7446F0}"/>
+                <a16:creationId xmlns:a16="http://schemas.microsoft.com/office/drawing/2014/main" id="{32DADD12-9D41-867D-EF9F-5B457FD80C52}"/>
               </a:ext>
             </a:extLst>
           </p:cNvPr>
@@ -696,7 +696,7 @@
           <p:cNvPr id="6" name="灯片编号占位符 5">
             <a:extLst>
               <a:ext uri="{FF2B5EF4-FFF2-40B4-BE49-F238E27FC236}">
-                <a16:creationId xmlns:a16="http://schemas.microsoft.com/office/drawing/2014/main" id="{B6652DB3-D355-0BC7-F263-B7DDBD553B17}"/>
+                <a16:creationId xmlns:a16="http://schemas.microsoft.com/office/drawing/2014/main" id="{E38F7E30-FCF5-16EF-D00A-C851BC94DA33}"/>
               </a:ext>
             </a:extLst>
           </p:cNvPr>
@@ -712,7 +712,7 @@
           <a:bodyPr/>
           <a:lstStyle/>
           <a:p>
-            <a:fld id="{7E96B694-5338-47BC-A773-7B1942E0E045}" type="slidenum">
+            <a:fld id="{0A182455-8474-4FEB-BF39-C3BA8030FEF0}" type="slidenum">
               <a:rPr lang="zh-CN" altLang="en-US" smtClean="0"/>
               <a:t>‹#›</a:t>
             </a:fld>
@@ -723,7 +723,7 @@
     </p:spTree>
     <p:extLst>
       <p:ext uri="{BB962C8B-B14F-4D97-AF65-F5344CB8AC3E}">
-        <p14:creationId xmlns:p14="http://schemas.microsoft.com/office/powerpoint/2010/main" val="2690858892"/>
+        <p14:creationId xmlns:p14="http://schemas.microsoft.com/office/powerpoint/2010/main" val="878703994"/>
       </p:ext>
     </p:extLst>
   </p:cSld>
@@ -755,7 +755,7 @@
           <p:cNvPr id="2" name="标题 1">
             <a:extLst>
               <a:ext uri="{FF2B5EF4-FFF2-40B4-BE49-F238E27FC236}">
-                <a16:creationId xmlns:a16="http://schemas.microsoft.com/office/drawing/2014/main" id="{A10524CD-D9FB-6057-ECAE-347B4DC4A41D}"/>
+                <a16:creationId xmlns:a16="http://schemas.microsoft.com/office/drawing/2014/main" id="{BEFF62D9-6BAD-7475-1427-D44353494735}"/>
               </a:ext>
             </a:extLst>
           </p:cNvPr>
@@ -783,7 +783,7 @@
           <p:cNvPr id="3" name="内容占位符 2">
             <a:extLst>
               <a:ext uri="{FF2B5EF4-FFF2-40B4-BE49-F238E27FC236}">
-                <a16:creationId xmlns:a16="http://schemas.microsoft.com/office/drawing/2014/main" id="{CA2AAEC1-7E52-DAD8-AA89-3AEAC245EE46}"/>
+                <a16:creationId xmlns:a16="http://schemas.microsoft.com/office/drawing/2014/main" id="{4DFDECBC-72EF-7689-F662-C31C0FF343C1}"/>
               </a:ext>
             </a:extLst>
           </p:cNvPr>
@@ -840,7 +840,7 @@
           <p:cNvPr id="4" name="日期占位符 3">
             <a:extLst>
               <a:ext uri="{FF2B5EF4-FFF2-40B4-BE49-F238E27FC236}">
-                <a16:creationId xmlns:a16="http://schemas.microsoft.com/office/drawing/2014/main" id="{E7D546B3-9DF7-737D-7A32-7D80260205BA}"/>
+                <a16:creationId xmlns:a16="http://schemas.microsoft.com/office/drawing/2014/main" id="{F2D9A33F-BDEB-DA36-4E28-6C4C9F93C2DA}"/>
               </a:ext>
             </a:extLst>
           </p:cNvPr>
@@ -856,7 +856,7 @@
           <a:bodyPr/>
           <a:lstStyle/>
           <a:p>
-            <a:fld id="{BCE3116A-B6B1-4630-9D26-5D39FEAF87D2}" type="datetimeFigureOut">
+            <a:fld id="{88149723-049A-4457-B592-4D829AF6C278}" type="datetimeFigureOut">
               <a:rPr lang="zh-CN" altLang="en-US" smtClean="0"/>
               <a:t>2024/3/10</a:t>
             </a:fld>
@@ -869,7 +869,7 @@
           <p:cNvPr id="5" name="页脚占位符 4">
             <a:extLst>
               <a:ext uri="{FF2B5EF4-FFF2-40B4-BE49-F238E27FC236}">
-                <a16:creationId xmlns:a16="http://schemas.microsoft.com/office/drawing/2014/main" id="{865B4692-96B9-7A03-40DC-8531503B78BF}"/>
+                <a16:creationId xmlns:a16="http://schemas.microsoft.com/office/drawing/2014/main" id="{D112F8FA-4D85-E605-646A-2BDFE3058622}"/>
               </a:ext>
             </a:extLst>
           </p:cNvPr>
@@ -894,7 +894,7 @@
           <p:cNvPr id="6" name="灯片编号占位符 5">
             <a:extLst>
               <a:ext uri="{FF2B5EF4-FFF2-40B4-BE49-F238E27FC236}">
-                <a16:creationId xmlns:a16="http://schemas.microsoft.com/office/drawing/2014/main" id="{F53CC71C-564B-F39E-F279-4DEB2FB62327}"/>
+                <a16:creationId xmlns:a16="http://schemas.microsoft.com/office/drawing/2014/main" id="{290B960A-4DBD-A8F0-B405-ADC46BFAE77C}"/>
               </a:ext>
             </a:extLst>
           </p:cNvPr>
@@ -910,7 +910,7 @@
           <a:bodyPr/>
           <a:lstStyle/>
           <a:p>
-            <a:fld id="{7E96B694-5338-47BC-A773-7B1942E0E045}" type="slidenum">
+            <a:fld id="{0A182455-8474-4FEB-BF39-C3BA8030FEF0}" type="slidenum">
               <a:rPr lang="zh-CN" altLang="en-US" smtClean="0"/>
               <a:t>‹#›</a:t>
             </a:fld>
@@ -921,7 +921,7 @@
     </p:spTree>
     <p:extLst>
       <p:ext uri="{BB962C8B-B14F-4D97-AF65-F5344CB8AC3E}">
-        <p14:creationId xmlns:p14="http://schemas.microsoft.com/office/powerpoint/2010/main" val="1596716557"/>
+        <p14:creationId xmlns:p14="http://schemas.microsoft.com/office/powerpoint/2010/main" val="1923998403"/>
       </p:ext>
     </p:extLst>
   </p:cSld>
@@ -953,7 +953,7 @@
           <p:cNvPr id="2" name="标题 1">
             <a:extLst>
               <a:ext uri="{FF2B5EF4-FFF2-40B4-BE49-F238E27FC236}">
-                <a16:creationId xmlns:a16="http://schemas.microsoft.com/office/drawing/2014/main" id="{1FB4D5D5-2938-7B96-1B67-4ECAF8AAA792}"/>
+                <a16:creationId xmlns:a16="http://schemas.microsoft.com/office/drawing/2014/main" id="{29432FC3-CD83-8929-A6AC-6107AF1DC665}"/>
               </a:ext>
             </a:extLst>
           </p:cNvPr>
@@ -990,7 +990,7 @@
           <p:cNvPr id="3" name="文本占位符 2">
             <a:extLst>
               <a:ext uri="{FF2B5EF4-FFF2-40B4-BE49-F238E27FC236}">
-                <a16:creationId xmlns:a16="http://schemas.microsoft.com/office/drawing/2014/main" id="{295B11F4-6BC1-6C8A-3AE5-ED6F90CB483C}"/>
+                <a16:creationId xmlns:a16="http://schemas.microsoft.com/office/drawing/2014/main" id="{94B90B06-2243-A202-EDF6-AE938EA66D66}"/>
               </a:ext>
             </a:extLst>
           </p:cNvPr>
@@ -1115,7 +1115,7 @@
           <p:cNvPr id="4" name="日期占位符 3">
             <a:extLst>
               <a:ext uri="{FF2B5EF4-FFF2-40B4-BE49-F238E27FC236}">
-                <a16:creationId xmlns:a16="http://schemas.microsoft.com/office/drawing/2014/main" id="{095BCF8D-CE8A-ED01-7E95-0DA14F944752}"/>
+                <a16:creationId xmlns:a16="http://schemas.microsoft.com/office/drawing/2014/main" id="{1FCCE14E-A55E-2A07-8728-3B84B37A78CC}"/>
               </a:ext>
             </a:extLst>
           </p:cNvPr>
@@ -1131,7 +1131,7 @@
           <a:bodyPr/>
           <a:lstStyle/>
           <a:p>
-            <a:fld id="{BCE3116A-B6B1-4630-9D26-5D39FEAF87D2}" type="datetimeFigureOut">
+            <a:fld id="{88149723-049A-4457-B592-4D829AF6C278}" type="datetimeFigureOut">
               <a:rPr lang="zh-CN" altLang="en-US" smtClean="0"/>
               <a:t>2024/3/10</a:t>
             </a:fld>
@@ -1144,7 +1144,7 @@
           <p:cNvPr id="5" name="页脚占位符 4">
             <a:extLst>
               <a:ext uri="{FF2B5EF4-FFF2-40B4-BE49-F238E27FC236}">
-                <a16:creationId xmlns:a16="http://schemas.microsoft.com/office/drawing/2014/main" id="{DA288091-1C5F-A622-4753-183E43603C89}"/>
+                <a16:creationId xmlns:a16="http://schemas.microsoft.com/office/drawing/2014/main" id="{F51494CE-E72D-B56A-B246-5CB1966AB71A}"/>
               </a:ext>
             </a:extLst>
           </p:cNvPr>
@@ -1169,7 +1169,7 @@
           <p:cNvPr id="6" name="灯片编号占位符 5">
             <a:extLst>
               <a:ext uri="{FF2B5EF4-FFF2-40B4-BE49-F238E27FC236}">
-                <a16:creationId xmlns:a16="http://schemas.microsoft.com/office/drawing/2014/main" id="{B7B6AB51-471D-46BC-C17D-657525EAC76A}"/>
+                <a16:creationId xmlns:a16="http://schemas.microsoft.com/office/drawing/2014/main" id="{A9AB560E-DC00-3784-D192-9ED486F71960}"/>
               </a:ext>
             </a:extLst>
           </p:cNvPr>
@@ -1185,7 +1185,7 @@
           <a:bodyPr/>
           <a:lstStyle/>
           <a:p>
-            <a:fld id="{7E96B694-5338-47BC-A773-7B1942E0E045}" type="slidenum">
+            <a:fld id="{0A182455-8474-4FEB-BF39-C3BA8030FEF0}" type="slidenum">
               <a:rPr lang="zh-CN" altLang="en-US" smtClean="0"/>
               <a:t>‹#›</a:t>
             </a:fld>
@@ -1196,7 +1196,7 @@
     </p:spTree>
     <p:extLst>
       <p:ext uri="{BB962C8B-B14F-4D97-AF65-F5344CB8AC3E}">
-        <p14:creationId xmlns:p14="http://schemas.microsoft.com/office/powerpoint/2010/main" val="2941549261"/>
+        <p14:creationId xmlns:p14="http://schemas.microsoft.com/office/powerpoint/2010/main" val="2634391562"/>
       </p:ext>
     </p:extLst>
   </p:cSld>
@@ -1228,7 +1228,7 @@
           <p:cNvPr id="2" name="标题 1">
             <a:extLst>
               <a:ext uri="{FF2B5EF4-FFF2-40B4-BE49-F238E27FC236}">
-                <a16:creationId xmlns:a16="http://schemas.microsoft.com/office/drawing/2014/main" id="{228220B8-A394-43D9-4A40-350D19075114}"/>
+                <a16:creationId xmlns:a16="http://schemas.microsoft.com/office/drawing/2014/main" id="{761EF1C8-E2AA-E804-BB2C-34D39C7F727D}"/>
               </a:ext>
             </a:extLst>
           </p:cNvPr>
@@ -1256,7 +1256,7 @@
           <p:cNvPr id="3" name="内容占位符 2">
             <a:extLst>
               <a:ext uri="{FF2B5EF4-FFF2-40B4-BE49-F238E27FC236}">
-                <a16:creationId xmlns:a16="http://schemas.microsoft.com/office/drawing/2014/main" id="{E084FF29-6A5C-7EE7-5A28-89F9DDE41DA0}"/>
+                <a16:creationId xmlns:a16="http://schemas.microsoft.com/office/drawing/2014/main" id="{79C3DF58-1FEE-9376-4427-D5A1C4E9B879}"/>
               </a:ext>
             </a:extLst>
           </p:cNvPr>
@@ -1318,7 +1318,7 @@
           <p:cNvPr id="4" name="内容占位符 3">
             <a:extLst>
               <a:ext uri="{FF2B5EF4-FFF2-40B4-BE49-F238E27FC236}">
-                <a16:creationId xmlns:a16="http://schemas.microsoft.com/office/drawing/2014/main" id="{E9E2CF7A-2085-FA8E-AC84-41F996514ED6}"/>
+                <a16:creationId xmlns:a16="http://schemas.microsoft.com/office/drawing/2014/main" id="{B86B2691-1C4C-8D20-CE9E-1BD8AAF4026E}"/>
               </a:ext>
             </a:extLst>
           </p:cNvPr>
@@ -1380,7 +1380,7 @@
           <p:cNvPr id="5" name="日期占位符 4">
             <a:extLst>
               <a:ext uri="{FF2B5EF4-FFF2-40B4-BE49-F238E27FC236}">
-                <a16:creationId xmlns:a16="http://schemas.microsoft.com/office/drawing/2014/main" id="{1849E61C-8C20-48C4-10F0-199C5E82025C}"/>
+                <a16:creationId xmlns:a16="http://schemas.microsoft.com/office/drawing/2014/main" id="{7624F29D-EF74-FB2B-C0DA-19AF735F9ECB}"/>
               </a:ext>
             </a:extLst>
           </p:cNvPr>
@@ -1396,7 +1396,7 @@
           <a:bodyPr/>
           <a:lstStyle/>
           <a:p>
-            <a:fld id="{BCE3116A-B6B1-4630-9D26-5D39FEAF87D2}" type="datetimeFigureOut">
+            <a:fld id="{88149723-049A-4457-B592-4D829AF6C278}" type="datetimeFigureOut">
               <a:rPr lang="zh-CN" altLang="en-US" smtClean="0"/>
               <a:t>2024/3/10</a:t>
             </a:fld>
@@ -1409,7 +1409,7 @@
           <p:cNvPr id="6" name="页脚占位符 5">
             <a:extLst>
               <a:ext uri="{FF2B5EF4-FFF2-40B4-BE49-F238E27FC236}">
-                <a16:creationId xmlns:a16="http://schemas.microsoft.com/office/drawing/2014/main" id="{4EF26D67-89EA-7971-6791-908A420593BF}"/>
+                <a16:creationId xmlns:a16="http://schemas.microsoft.com/office/drawing/2014/main" id="{E9FD231B-8763-29EB-C687-DB2C307D6422}"/>
               </a:ext>
             </a:extLst>
           </p:cNvPr>
@@ -1434,7 +1434,7 @@
           <p:cNvPr id="7" name="灯片编号占位符 6">
             <a:extLst>
               <a:ext uri="{FF2B5EF4-FFF2-40B4-BE49-F238E27FC236}">
-                <a16:creationId xmlns:a16="http://schemas.microsoft.com/office/drawing/2014/main" id="{7E48BE0C-2C6F-7E23-3F67-7924B0124E4A}"/>
+                <a16:creationId xmlns:a16="http://schemas.microsoft.com/office/drawing/2014/main" id="{FA15A78D-ABAB-0163-AC6E-F89EF8B63744}"/>
               </a:ext>
             </a:extLst>
           </p:cNvPr>
@@ -1450,7 +1450,7 @@
           <a:bodyPr/>
           <a:lstStyle/>
           <a:p>
-            <a:fld id="{7E96B694-5338-47BC-A773-7B1942E0E045}" type="slidenum">
+            <a:fld id="{0A182455-8474-4FEB-BF39-C3BA8030FEF0}" type="slidenum">
               <a:rPr lang="zh-CN" altLang="en-US" smtClean="0"/>
               <a:t>‹#›</a:t>
             </a:fld>
@@ -1461,7 +1461,7 @@
     </p:spTree>
     <p:extLst>
       <p:ext uri="{BB962C8B-B14F-4D97-AF65-F5344CB8AC3E}">
-        <p14:creationId xmlns:p14="http://schemas.microsoft.com/office/powerpoint/2010/main" val="1384325625"/>
+        <p14:creationId xmlns:p14="http://schemas.microsoft.com/office/powerpoint/2010/main" val="3338149176"/>
       </p:ext>
     </p:extLst>
   </p:cSld>
@@ -1493,7 +1493,7 @@
           <p:cNvPr id="2" name="标题 1">
             <a:extLst>
               <a:ext uri="{FF2B5EF4-FFF2-40B4-BE49-F238E27FC236}">
-                <a16:creationId xmlns:a16="http://schemas.microsoft.com/office/drawing/2014/main" id="{21307F47-6E96-BF8E-81C9-AF000D7936B2}"/>
+                <a16:creationId xmlns:a16="http://schemas.microsoft.com/office/drawing/2014/main" id="{873D528D-6325-7DBC-2824-2609E9F8CB12}"/>
               </a:ext>
             </a:extLst>
           </p:cNvPr>
@@ -1526,7 +1526,7 @@
           <p:cNvPr id="3" name="文本占位符 2">
             <a:extLst>
               <a:ext uri="{FF2B5EF4-FFF2-40B4-BE49-F238E27FC236}">
-                <a16:creationId xmlns:a16="http://schemas.microsoft.com/office/drawing/2014/main" id="{8AFBE6F6-E16C-4C6F-163D-B8051612D63C}"/>
+                <a16:creationId xmlns:a16="http://schemas.microsoft.com/office/drawing/2014/main" id="{0F6DB9A0-6C12-D2B3-0F91-EC0E839020B5}"/>
               </a:ext>
             </a:extLst>
           </p:cNvPr>
@@ -1597,7 +1597,7 @@
           <p:cNvPr id="4" name="内容占位符 3">
             <a:extLst>
               <a:ext uri="{FF2B5EF4-FFF2-40B4-BE49-F238E27FC236}">
-                <a16:creationId xmlns:a16="http://schemas.microsoft.com/office/drawing/2014/main" id="{81DFCB0E-9D12-0012-661A-FBE6AC835016}"/>
+                <a16:creationId xmlns:a16="http://schemas.microsoft.com/office/drawing/2014/main" id="{C2998E5D-6F20-0412-963F-B02804C4EB2C}"/>
               </a:ext>
             </a:extLst>
           </p:cNvPr>
@@ -1659,7 +1659,7 @@
           <p:cNvPr id="5" name="文本占位符 4">
             <a:extLst>
               <a:ext uri="{FF2B5EF4-FFF2-40B4-BE49-F238E27FC236}">
-                <a16:creationId xmlns:a16="http://schemas.microsoft.com/office/drawing/2014/main" id="{3F96F44D-F740-D84E-AB09-56004A0A23BF}"/>
+                <a16:creationId xmlns:a16="http://schemas.microsoft.com/office/drawing/2014/main" id="{302B88F7-198A-A296-FB09-9A22DA8D34C6}"/>
               </a:ext>
             </a:extLst>
           </p:cNvPr>
@@ -1730,7 +1730,7 @@
           <p:cNvPr id="6" name="内容占位符 5">
             <a:extLst>
               <a:ext uri="{FF2B5EF4-FFF2-40B4-BE49-F238E27FC236}">
-                <a16:creationId xmlns:a16="http://schemas.microsoft.com/office/drawing/2014/main" id="{76784F75-9DB4-AF4F-9068-0DF243C32C1C}"/>
+                <a16:creationId xmlns:a16="http://schemas.microsoft.com/office/drawing/2014/main" id="{E84A57D9-5CCD-2AB6-E3D6-704E79F79778}"/>
               </a:ext>
             </a:extLst>
           </p:cNvPr>
@@ -1792,7 +1792,7 @@
           <p:cNvPr id="7" name="日期占位符 6">
             <a:extLst>
               <a:ext uri="{FF2B5EF4-FFF2-40B4-BE49-F238E27FC236}">
-                <a16:creationId xmlns:a16="http://schemas.microsoft.com/office/drawing/2014/main" id="{D1DF5254-98F6-82A1-1529-03AE572E4C8E}"/>
+                <a16:creationId xmlns:a16="http://schemas.microsoft.com/office/drawing/2014/main" id="{065F8DB4-73D8-F223-14B2-73140E444CC6}"/>
               </a:ext>
             </a:extLst>
           </p:cNvPr>
@@ -1808,7 +1808,7 @@
           <a:bodyPr/>
           <a:lstStyle/>
           <a:p>
-            <a:fld id="{BCE3116A-B6B1-4630-9D26-5D39FEAF87D2}" type="datetimeFigureOut">
+            <a:fld id="{88149723-049A-4457-B592-4D829AF6C278}" type="datetimeFigureOut">
               <a:rPr lang="zh-CN" altLang="en-US" smtClean="0"/>
               <a:t>2024/3/10</a:t>
             </a:fld>
@@ -1821,7 +1821,7 @@
           <p:cNvPr id="8" name="页脚占位符 7">
             <a:extLst>
               <a:ext uri="{FF2B5EF4-FFF2-40B4-BE49-F238E27FC236}">
-                <a16:creationId xmlns:a16="http://schemas.microsoft.com/office/drawing/2014/main" id="{03EB339A-2B0B-C064-88B2-0D6B7E9A863F}"/>
+                <a16:creationId xmlns:a16="http://schemas.microsoft.com/office/drawing/2014/main" id="{7414E47D-B2EE-C78D-D030-770B280FB597}"/>
               </a:ext>
             </a:extLst>
           </p:cNvPr>
@@ -1846,7 +1846,7 @@
           <p:cNvPr id="9" name="灯片编号占位符 8">
             <a:extLst>
               <a:ext uri="{FF2B5EF4-FFF2-40B4-BE49-F238E27FC236}">
-                <a16:creationId xmlns:a16="http://schemas.microsoft.com/office/drawing/2014/main" id="{03C4B114-9848-F8BB-E9FA-24B29AFCBEA1}"/>
+                <a16:creationId xmlns:a16="http://schemas.microsoft.com/office/drawing/2014/main" id="{CB6F64C4-E973-C30E-4684-D68E40AA6924}"/>
               </a:ext>
             </a:extLst>
           </p:cNvPr>
@@ -1862,7 +1862,7 @@
           <a:bodyPr/>
           <a:lstStyle/>
           <a:p>
-            <a:fld id="{7E96B694-5338-47BC-A773-7B1942E0E045}" type="slidenum">
+            <a:fld id="{0A182455-8474-4FEB-BF39-C3BA8030FEF0}" type="slidenum">
               <a:rPr lang="zh-CN" altLang="en-US" smtClean="0"/>
               <a:t>‹#›</a:t>
             </a:fld>
@@ -1873,7 +1873,7 @@
     </p:spTree>
     <p:extLst>
       <p:ext uri="{BB962C8B-B14F-4D97-AF65-F5344CB8AC3E}">
-        <p14:creationId xmlns:p14="http://schemas.microsoft.com/office/powerpoint/2010/main" val="2554016089"/>
+        <p14:creationId xmlns:p14="http://schemas.microsoft.com/office/powerpoint/2010/main" val="866455163"/>
       </p:ext>
     </p:extLst>
   </p:cSld>
@@ -1905,7 +1905,7 @@
           <p:cNvPr id="2" name="标题 1">
             <a:extLst>
               <a:ext uri="{FF2B5EF4-FFF2-40B4-BE49-F238E27FC236}">
-                <a16:creationId xmlns:a16="http://schemas.microsoft.com/office/drawing/2014/main" id="{E67F0D9B-D3B8-0335-C0C6-D14FFA1389A8}"/>
+                <a16:creationId xmlns:a16="http://schemas.microsoft.com/office/drawing/2014/main" id="{2D5269A2-A772-6020-9185-F6D37ADB66C9}"/>
               </a:ext>
             </a:extLst>
           </p:cNvPr>
@@ -1933,7 +1933,7 @@
           <p:cNvPr id="3" name="日期占位符 2">
             <a:extLst>
               <a:ext uri="{FF2B5EF4-FFF2-40B4-BE49-F238E27FC236}">
-                <a16:creationId xmlns:a16="http://schemas.microsoft.com/office/drawing/2014/main" id="{B363F450-37EE-2FF2-E3A8-44D493229D35}"/>
+                <a16:creationId xmlns:a16="http://schemas.microsoft.com/office/drawing/2014/main" id="{DC12F198-D7FA-D455-F6FD-4010ABFD0E2D}"/>
               </a:ext>
             </a:extLst>
           </p:cNvPr>
@@ -1949,7 +1949,7 @@
           <a:bodyPr/>
           <a:lstStyle/>
           <a:p>
-            <a:fld id="{BCE3116A-B6B1-4630-9D26-5D39FEAF87D2}" type="datetimeFigureOut">
+            <a:fld id="{88149723-049A-4457-B592-4D829AF6C278}" type="datetimeFigureOut">
               <a:rPr lang="zh-CN" altLang="en-US" smtClean="0"/>
               <a:t>2024/3/10</a:t>
             </a:fld>
@@ -1962,7 +1962,7 @@
           <p:cNvPr id="4" name="页脚占位符 3">
             <a:extLst>
               <a:ext uri="{FF2B5EF4-FFF2-40B4-BE49-F238E27FC236}">
-                <a16:creationId xmlns:a16="http://schemas.microsoft.com/office/drawing/2014/main" id="{82EE394D-4DFC-6556-FC49-564347CF57C8}"/>
+                <a16:creationId xmlns:a16="http://schemas.microsoft.com/office/drawing/2014/main" id="{7535720E-B1BF-2741-7ABA-6E1C72FCCAE4}"/>
               </a:ext>
             </a:extLst>
           </p:cNvPr>
@@ -1987,7 +1987,7 @@
           <p:cNvPr id="5" name="灯片编号占位符 4">
             <a:extLst>
               <a:ext uri="{FF2B5EF4-FFF2-40B4-BE49-F238E27FC236}">
-                <a16:creationId xmlns:a16="http://schemas.microsoft.com/office/drawing/2014/main" id="{B5689E18-8E31-1C23-8958-CFBE5C75AE7F}"/>
+                <a16:creationId xmlns:a16="http://schemas.microsoft.com/office/drawing/2014/main" id="{CD54D2BB-ACDA-DD85-173E-2FD7A4DA95A6}"/>
               </a:ext>
             </a:extLst>
           </p:cNvPr>
@@ -2003,7 +2003,7 @@
           <a:bodyPr/>
           <a:lstStyle/>
           <a:p>
-            <a:fld id="{7E96B694-5338-47BC-A773-7B1942E0E045}" type="slidenum">
+            <a:fld id="{0A182455-8474-4FEB-BF39-C3BA8030FEF0}" type="slidenum">
               <a:rPr lang="zh-CN" altLang="en-US" smtClean="0"/>
               <a:t>‹#›</a:t>
             </a:fld>
@@ -2014,7 +2014,7 @@
     </p:spTree>
     <p:extLst>
       <p:ext uri="{BB962C8B-B14F-4D97-AF65-F5344CB8AC3E}">
-        <p14:creationId xmlns:p14="http://schemas.microsoft.com/office/powerpoint/2010/main" val="1056615161"/>
+        <p14:creationId xmlns:p14="http://schemas.microsoft.com/office/powerpoint/2010/main" val="3267032304"/>
       </p:ext>
     </p:extLst>
   </p:cSld>
@@ -2046,7 +2046,7 @@
           <p:cNvPr id="2" name="日期占位符 1">
             <a:extLst>
               <a:ext uri="{FF2B5EF4-FFF2-40B4-BE49-F238E27FC236}">
-                <a16:creationId xmlns:a16="http://schemas.microsoft.com/office/drawing/2014/main" id="{CB25390D-1FFE-852A-752A-446F8A8FDF07}"/>
+                <a16:creationId xmlns:a16="http://schemas.microsoft.com/office/drawing/2014/main" id="{1D2B4D26-5510-5227-5B9E-521A5B9EA4E5}"/>
               </a:ext>
             </a:extLst>
           </p:cNvPr>
@@ -2062,7 +2062,7 @@
           <a:bodyPr/>
           <a:lstStyle/>
           <a:p>
-            <a:fld id="{BCE3116A-B6B1-4630-9D26-5D39FEAF87D2}" type="datetimeFigureOut">
+            <a:fld id="{88149723-049A-4457-B592-4D829AF6C278}" type="datetimeFigureOut">
               <a:rPr lang="zh-CN" altLang="en-US" smtClean="0"/>
               <a:t>2024/3/10</a:t>
             </a:fld>
@@ -2075,7 +2075,7 @@
           <p:cNvPr id="3" name="页脚占位符 2">
             <a:extLst>
               <a:ext uri="{FF2B5EF4-FFF2-40B4-BE49-F238E27FC236}">
-                <a16:creationId xmlns:a16="http://schemas.microsoft.com/office/drawing/2014/main" id="{C0484E78-87D5-A107-E482-6438298854EA}"/>
+                <a16:creationId xmlns:a16="http://schemas.microsoft.com/office/drawing/2014/main" id="{A08CEF2C-3A76-2066-DF31-089FB288462D}"/>
               </a:ext>
             </a:extLst>
           </p:cNvPr>
@@ -2100,7 +2100,7 @@
           <p:cNvPr id="4" name="灯片编号占位符 3">
             <a:extLst>
               <a:ext uri="{FF2B5EF4-FFF2-40B4-BE49-F238E27FC236}">
-                <a16:creationId xmlns:a16="http://schemas.microsoft.com/office/drawing/2014/main" id="{66D760E6-F5FE-6420-8AAD-1CE3B322DA51}"/>
+                <a16:creationId xmlns:a16="http://schemas.microsoft.com/office/drawing/2014/main" id="{4C986D08-FAE2-D9E4-F1C7-5CC86D6F0BAF}"/>
               </a:ext>
             </a:extLst>
           </p:cNvPr>
@@ -2116,7 +2116,7 @@
           <a:bodyPr/>
           <a:lstStyle/>
           <a:p>
-            <a:fld id="{7E96B694-5338-47BC-A773-7B1942E0E045}" type="slidenum">
+            <a:fld id="{0A182455-8474-4FEB-BF39-C3BA8030FEF0}" type="slidenum">
               <a:rPr lang="zh-CN" altLang="en-US" smtClean="0"/>
               <a:t>‹#›</a:t>
             </a:fld>
@@ -2127,7 +2127,7 @@
     </p:spTree>
     <p:extLst>
       <p:ext uri="{BB962C8B-B14F-4D97-AF65-F5344CB8AC3E}">
-        <p14:creationId xmlns:p14="http://schemas.microsoft.com/office/powerpoint/2010/main" val="2414749993"/>
+        <p14:creationId xmlns:p14="http://schemas.microsoft.com/office/powerpoint/2010/main" val="2201596966"/>
       </p:ext>
     </p:extLst>
   </p:cSld>
@@ -2159,7 +2159,7 @@
           <p:cNvPr id="2" name="标题 1">
             <a:extLst>
               <a:ext uri="{FF2B5EF4-FFF2-40B4-BE49-F238E27FC236}">
-                <a16:creationId xmlns:a16="http://schemas.microsoft.com/office/drawing/2014/main" id="{E7892D67-7DE1-E568-5E33-EB158F478205}"/>
+                <a16:creationId xmlns:a16="http://schemas.microsoft.com/office/drawing/2014/main" id="{F12F17C5-A2D4-DBFA-D9F3-9B39F68983E7}"/>
               </a:ext>
             </a:extLst>
           </p:cNvPr>
@@ -2196,7 +2196,7 @@
           <p:cNvPr id="3" name="内容占位符 2">
             <a:extLst>
               <a:ext uri="{FF2B5EF4-FFF2-40B4-BE49-F238E27FC236}">
-                <a16:creationId xmlns:a16="http://schemas.microsoft.com/office/drawing/2014/main" id="{905330E8-6EEC-D351-8083-B3CA3E6F1244}"/>
+                <a16:creationId xmlns:a16="http://schemas.microsoft.com/office/drawing/2014/main" id="{0111243C-AB02-64BA-9DE3-3D9755017F15}"/>
               </a:ext>
             </a:extLst>
           </p:cNvPr>
@@ -2286,7 +2286,7 @@
           <p:cNvPr id="4" name="文本占位符 3">
             <a:extLst>
               <a:ext uri="{FF2B5EF4-FFF2-40B4-BE49-F238E27FC236}">
-                <a16:creationId xmlns:a16="http://schemas.microsoft.com/office/drawing/2014/main" id="{846E0242-FBFB-21C7-E543-6A05B2E6D952}"/>
+                <a16:creationId xmlns:a16="http://schemas.microsoft.com/office/drawing/2014/main" id="{C20C82DE-7BE7-DD8F-09F5-E040F1C69020}"/>
               </a:ext>
             </a:extLst>
           </p:cNvPr>
@@ -2357,7 +2357,7 @@
           <p:cNvPr id="5" name="日期占位符 4">
             <a:extLst>
               <a:ext uri="{FF2B5EF4-FFF2-40B4-BE49-F238E27FC236}">
-                <a16:creationId xmlns:a16="http://schemas.microsoft.com/office/drawing/2014/main" id="{563FD9F5-9963-636B-5EBE-4D40142ABBFC}"/>
+                <a16:creationId xmlns:a16="http://schemas.microsoft.com/office/drawing/2014/main" id="{75524A7E-BF9F-47C2-CD88-5EEBA7B09189}"/>
               </a:ext>
             </a:extLst>
           </p:cNvPr>
@@ -2373,7 +2373,7 @@
           <a:bodyPr/>
           <a:lstStyle/>
           <a:p>
-            <a:fld id="{BCE3116A-B6B1-4630-9D26-5D39FEAF87D2}" type="datetimeFigureOut">
+            <a:fld id="{88149723-049A-4457-B592-4D829AF6C278}" type="datetimeFigureOut">
               <a:rPr lang="zh-CN" altLang="en-US" smtClean="0"/>
               <a:t>2024/3/10</a:t>
             </a:fld>
@@ -2386,7 +2386,7 @@
           <p:cNvPr id="6" name="页脚占位符 5">
             <a:extLst>
               <a:ext uri="{FF2B5EF4-FFF2-40B4-BE49-F238E27FC236}">
-                <a16:creationId xmlns:a16="http://schemas.microsoft.com/office/drawing/2014/main" id="{91491D2C-3BF1-28E8-450F-AC6B2830C7C6}"/>
+                <a16:creationId xmlns:a16="http://schemas.microsoft.com/office/drawing/2014/main" id="{4EBFC968-FB27-4AE4-9347-8C757314EF0E}"/>
               </a:ext>
             </a:extLst>
           </p:cNvPr>
@@ -2411,7 +2411,7 @@
           <p:cNvPr id="7" name="灯片编号占位符 6">
             <a:extLst>
               <a:ext uri="{FF2B5EF4-FFF2-40B4-BE49-F238E27FC236}">
-                <a16:creationId xmlns:a16="http://schemas.microsoft.com/office/drawing/2014/main" id="{3F8F48A1-0066-74A9-9DBF-19DF82E0C5D1}"/>
+                <a16:creationId xmlns:a16="http://schemas.microsoft.com/office/drawing/2014/main" id="{A371B3B9-3D63-6963-6742-BFF331A0BF1E}"/>
               </a:ext>
             </a:extLst>
           </p:cNvPr>
@@ -2427,7 +2427,7 @@
           <a:bodyPr/>
           <a:lstStyle/>
           <a:p>
-            <a:fld id="{7E96B694-5338-47BC-A773-7B1942E0E045}" type="slidenum">
+            <a:fld id="{0A182455-8474-4FEB-BF39-C3BA8030FEF0}" type="slidenum">
               <a:rPr lang="zh-CN" altLang="en-US" smtClean="0"/>
               <a:t>‹#›</a:t>
             </a:fld>
@@ -2438,7 +2438,7 @@
     </p:spTree>
     <p:extLst>
       <p:ext uri="{BB962C8B-B14F-4D97-AF65-F5344CB8AC3E}">
-        <p14:creationId xmlns:p14="http://schemas.microsoft.com/office/powerpoint/2010/main" val="3505803742"/>
+        <p14:creationId xmlns:p14="http://schemas.microsoft.com/office/powerpoint/2010/main" val="2081827940"/>
       </p:ext>
     </p:extLst>
   </p:cSld>
@@ -2470,7 +2470,7 @@
           <p:cNvPr id="2" name="标题 1">
             <a:extLst>
               <a:ext uri="{FF2B5EF4-FFF2-40B4-BE49-F238E27FC236}">
-                <a16:creationId xmlns:a16="http://schemas.microsoft.com/office/drawing/2014/main" id="{89AFABBC-969D-DE27-BA5C-F48E4E820C1D}"/>
+                <a16:creationId xmlns:a16="http://schemas.microsoft.com/office/drawing/2014/main" id="{1DCE72F9-763E-E3A0-A70C-7DCA10172E0F}"/>
               </a:ext>
             </a:extLst>
           </p:cNvPr>
@@ -2507,7 +2507,7 @@
           <p:cNvPr id="3" name="图片占位符 2">
             <a:extLst>
               <a:ext uri="{FF2B5EF4-FFF2-40B4-BE49-F238E27FC236}">
-                <a16:creationId xmlns:a16="http://schemas.microsoft.com/office/drawing/2014/main" id="{CD50C6F2-FE8B-4B60-DE3D-11EBBE238893}"/>
+                <a16:creationId xmlns:a16="http://schemas.microsoft.com/office/drawing/2014/main" id="{9E3502A5-DFDB-5354-1EA6-856867457F84}"/>
               </a:ext>
             </a:extLst>
           </p:cNvPr>
@@ -2574,7 +2574,7 @@
           <p:cNvPr id="4" name="文本占位符 3">
             <a:extLst>
               <a:ext uri="{FF2B5EF4-FFF2-40B4-BE49-F238E27FC236}">
-                <a16:creationId xmlns:a16="http://schemas.microsoft.com/office/drawing/2014/main" id="{16B88DC0-5F9A-7A5D-30D7-81974261957F}"/>
+                <a16:creationId xmlns:a16="http://schemas.microsoft.com/office/drawing/2014/main" id="{E829A2E2-B1D2-3A16-81D5-1E0646804367}"/>
               </a:ext>
             </a:extLst>
           </p:cNvPr>
@@ -2645,7 +2645,7 @@
           <p:cNvPr id="5" name="日期占位符 4">
             <a:extLst>
               <a:ext uri="{FF2B5EF4-FFF2-40B4-BE49-F238E27FC236}">
-                <a16:creationId xmlns:a16="http://schemas.microsoft.com/office/drawing/2014/main" id="{02603E82-510B-B60B-D456-66A4EF27F780}"/>
+                <a16:creationId xmlns:a16="http://schemas.microsoft.com/office/drawing/2014/main" id="{EE2923A2-26AB-34A8-6653-9B40A0D5E12F}"/>
               </a:ext>
             </a:extLst>
           </p:cNvPr>
@@ -2661,7 +2661,7 @@
           <a:bodyPr/>
           <a:lstStyle/>
           <a:p>
-            <a:fld id="{BCE3116A-B6B1-4630-9D26-5D39FEAF87D2}" type="datetimeFigureOut">
+            <a:fld id="{88149723-049A-4457-B592-4D829AF6C278}" type="datetimeFigureOut">
               <a:rPr lang="zh-CN" altLang="en-US" smtClean="0"/>
               <a:t>2024/3/10</a:t>
             </a:fld>
@@ -2674,7 +2674,7 @@
           <p:cNvPr id="6" name="页脚占位符 5">
             <a:extLst>
               <a:ext uri="{FF2B5EF4-FFF2-40B4-BE49-F238E27FC236}">
-                <a16:creationId xmlns:a16="http://schemas.microsoft.com/office/drawing/2014/main" id="{6DD5FF5E-9006-5956-64DD-059ECD133C1C}"/>
+                <a16:creationId xmlns:a16="http://schemas.microsoft.com/office/drawing/2014/main" id="{6EB5EB50-7A92-0F73-072C-399ABB32139A}"/>
               </a:ext>
             </a:extLst>
           </p:cNvPr>
@@ -2699,7 +2699,7 @@
           <p:cNvPr id="7" name="灯片编号占位符 6">
             <a:extLst>
               <a:ext uri="{FF2B5EF4-FFF2-40B4-BE49-F238E27FC236}">
-                <a16:creationId xmlns:a16="http://schemas.microsoft.com/office/drawing/2014/main" id="{9AADA49B-E050-DB11-880B-AD6F7E72A582}"/>
+                <a16:creationId xmlns:a16="http://schemas.microsoft.com/office/drawing/2014/main" id="{D3985BFD-54E7-E8DE-D7BF-1F73D8401A86}"/>
               </a:ext>
             </a:extLst>
           </p:cNvPr>
@@ -2715,7 +2715,7 @@
           <a:bodyPr/>
           <a:lstStyle/>
           <a:p>
-            <a:fld id="{7E96B694-5338-47BC-A773-7B1942E0E045}" type="slidenum">
+            <a:fld id="{0A182455-8474-4FEB-BF39-C3BA8030FEF0}" type="slidenum">
               <a:rPr lang="zh-CN" altLang="en-US" smtClean="0"/>
               <a:t>‹#›</a:t>
             </a:fld>
@@ -2726,7 +2726,7 @@
     </p:spTree>
     <p:extLst>
       <p:ext uri="{BB962C8B-B14F-4D97-AF65-F5344CB8AC3E}">
-        <p14:creationId xmlns:p14="http://schemas.microsoft.com/office/powerpoint/2010/main" val="632872669"/>
+        <p14:creationId xmlns:p14="http://schemas.microsoft.com/office/powerpoint/2010/main" val="3454164633"/>
       </p:ext>
     </p:extLst>
   </p:cSld>
@@ -2763,7 +2763,7 @@
           <p:cNvPr id="2" name="标题占位符 1">
             <a:extLst>
               <a:ext uri="{FF2B5EF4-FFF2-40B4-BE49-F238E27FC236}">
-                <a16:creationId xmlns:a16="http://schemas.microsoft.com/office/drawing/2014/main" id="{1D02CC26-9085-74DA-5E00-A6D4B4AA3203}"/>
+                <a16:creationId xmlns:a16="http://schemas.microsoft.com/office/drawing/2014/main" id="{A8CDFF20-5445-0C37-D853-0A84604FF8DC}"/>
               </a:ext>
             </a:extLst>
           </p:cNvPr>
@@ -2801,7 +2801,7 @@
           <p:cNvPr id="3" name="文本占位符 2">
             <a:extLst>
               <a:ext uri="{FF2B5EF4-FFF2-40B4-BE49-F238E27FC236}">
-                <a16:creationId xmlns:a16="http://schemas.microsoft.com/office/drawing/2014/main" id="{74487353-579C-810A-D945-8F9F14304421}"/>
+                <a16:creationId xmlns:a16="http://schemas.microsoft.com/office/drawing/2014/main" id="{30769A08-032D-6B45-28BC-12E9691958FE}"/>
               </a:ext>
             </a:extLst>
           </p:cNvPr>
@@ -2868,7 +2868,7 @@
           <p:cNvPr id="4" name="日期占位符 3">
             <a:extLst>
               <a:ext uri="{FF2B5EF4-FFF2-40B4-BE49-F238E27FC236}">
-                <a16:creationId xmlns:a16="http://schemas.microsoft.com/office/drawing/2014/main" id="{6D22C16A-1D76-A69F-1EF5-6D84FC50A861}"/>
+                <a16:creationId xmlns:a16="http://schemas.microsoft.com/office/drawing/2014/main" id="{FAD256F8-7F58-C625-5FDB-D647171F78F2}"/>
               </a:ext>
             </a:extLst>
           </p:cNvPr>
@@ -2902,7 +2902,7 @@
             </a:lvl1pPr>
           </a:lstStyle>
           <a:p>
-            <a:fld id="{BCE3116A-B6B1-4630-9D26-5D39FEAF87D2}" type="datetimeFigureOut">
+            <a:fld id="{88149723-049A-4457-B592-4D829AF6C278}" type="datetimeFigureOut">
               <a:rPr lang="zh-CN" altLang="en-US" smtClean="0"/>
               <a:t>2024/3/10</a:t>
             </a:fld>
@@ -2915,7 +2915,7 @@
           <p:cNvPr id="5" name="页脚占位符 4">
             <a:extLst>
               <a:ext uri="{FF2B5EF4-FFF2-40B4-BE49-F238E27FC236}">
-                <a16:creationId xmlns:a16="http://schemas.microsoft.com/office/drawing/2014/main" id="{4618450D-B964-F601-9AD1-190F52DC17B2}"/>
+                <a16:creationId xmlns:a16="http://schemas.microsoft.com/office/drawing/2014/main" id="{61B3A13B-6BFC-EB50-3D79-A645F0F57E46}"/>
               </a:ext>
             </a:extLst>
           </p:cNvPr>
@@ -2958,7 +2958,7 @@
           <p:cNvPr id="6" name="灯片编号占位符 5">
             <a:extLst>
               <a:ext uri="{FF2B5EF4-FFF2-40B4-BE49-F238E27FC236}">
-                <a16:creationId xmlns:a16="http://schemas.microsoft.com/office/drawing/2014/main" id="{A0A58C9F-DAC9-193D-72AC-E6914BA0BDA4}"/>
+                <a16:creationId xmlns:a16="http://schemas.microsoft.com/office/drawing/2014/main" id="{5FB61EC3-D6BB-EFBD-F528-B17551D7D31E}"/>
               </a:ext>
             </a:extLst>
           </p:cNvPr>
@@ -2992,7 +2992,7 @@
             </a:lvl1pPr>
           </a:lstStyle>
           <a:p>
-            <a:fld id="{7E96B694-5338-47BC-A773-7B1942E0E045}" type="slidenum">
+            <a:fld id="{0A182455-8474-4FEB-BF39-C3BA8030FEF0}" type="slidenum">
               <a:rPr lang="zh-CN" altLang="en-US" smtClean="0"/>
               <a:t>‹#›</a:t>
             </a:fld>
@@ -3003,7 +3003,7 @@
     </p:spTree>
     <p:extLst>
       <p:ext uri="{BB962C8B-B14F-4D97-AF65-F5344CB8AC3E}">
-        <p14:creationId xmlns:p14="http://schemas.microsoft.com/office/powerpoint/2010/main" val="2057329455"/>
+        <p14:creationId xmlns:p14="http://schemas.microsoft.com/office/powerpoint/2010/main" val="3547230347"/>
       </p:ext>
     </p:extLst>
   </p:cSld>
